--- a/RTRN/neph_genes/allderm/venn.pptx
+++ b/RTRN/neph_genes/allderm/venn.pptx
@@ -289,7 +289,7 @@
             <a:fld id="{1D8BD707-D9CF-40AE-B4C6-C98DA3205C09}" type="datetimeFigureOut">
               <a:rPr lang="en-US" smtClean="0"/>
               <a:pPr/>
-              <a:t>6/24/2015</a:t>
+              <a:t>6/25/2015</a:t>
             </a:fld>
             <a:endParaRPr lang="en-US"/>
           </a:p>
@@ -456,7 +456,7 @@
             <a:fld id="{1D8BD707-D9CF-40AE-B4C6-C98DA3205C09}" type="datetimeFigureOut">
               <a:rPr lang="en-US" smtClean="0"/>
               <a:pPr/>
-              <a:t>6/24/2015</a:t>
+              <a:t>6/25/2015</a:t>
             </a:fld>
             <a:endParaRPr lang="en-US"/>
           </a:p>
@@ -633,7 +633,7 @@
             <a:fld id="{1D8BD707-D9CF-40AE-B4C6-C98DA3205C09}" type="datetimeFigureOut">
               <a:rPr lang="en-US" smtClean="0"/>
               <a:pPr/>
-              <a:t>6/24/2015</a:t>
+              <a:t>6/25/2015</a:t>
             </a:fld>
             <a:endParaRPr lang="en-US"/>
           </a:p>
@@ -800,7 +800,7 @@
             <a:fld id="{1D8BD707-D9CF-40AE-B4C6-C98DA3205C09}" type="datetimeFigureOut">
               <a:rPr lang="en-US" smtClean="0"/>
               <a:pPr/>
-              <a:t>6/24/2015</a:t>
+              <a:t>6/25/2015</a:t>
             </a:fld>
             <a:endParaRPr lang="en-US"/>
           </a:p>
@@ -1043,7 +1043,7 @@
             <a:fld id="{1D8BD707-D9CF-40AE-B4C6-C98DA3205C09}" type="datetimeFigureOut">
               <a:rPr lang="en-US" smtClean="0"/>
               <a:pPr/>
-              <a:t>6/24/2015</a:t>
+              <a:t>6/25/2015</a:t>
             </a:fld>
             <a:endParaRPr lang="en-US"/>
           </a:p>
@@ -1328,7 +1328,7 @@
             <a:fld id="{1D8BD707-D9CF-40AE-B4C6-C98DA3205C09}" type="datetimeFigureOut">
               <a:rPr lang="en-US" smtClean="0"/>
               <a:pPr/>
-              <a:t>6/24/2015</a:t>
+              <a:t>6/25/2015</a:t>
             </a:fld>
             <a:endParaRPr lang="en-US"/>
           </a:p>
@@ -1747,7 +1747,7 @@
             <a:fld id="{1D8BD707-D9CF-40AE-B4C6-C98DA3205C09}" type="datetimeFigureOut">
               <a:rPr lang="en-US" smtClean="0"/>
               <a:pPr/>
-              <a:t>6/24/2015</a:t>
+              <a:t>6/25/2015</a:t>
             </a:fld>
             <a:endParaRPr lang="en-US"/>
           </a:p>
@@ -1862,7 +1862,7 @@
             <a:fld id="{1D8BD707-D9CF-40AE-B4C6-C98DA3205C09}" type="datetimeFigureOut">
               <a:rPr lang="en-US" smtClean="0"/>
               <a:pPr/>
-              <a:t>6/24/2015</a:t>
+              <a:t>6/25/2015</a:t>
             </a:fld>
             <a:endParaRPr lang="en-US"/>
           </a:p>
@@ -1954,7 +1954,7 @@
             <a:fld id="{1D8BD707-D9CF-40AE-B4C6-C98DA3205C09}" type="datetimeFigureOut">
               <a:rPr lang="en-US" smtClean="0"/>
               <a:pPr/>
-              <a:t>6/24/2015</a:t>
+              <a:t>6/25/2015</a:t>
             </a:fld>
             <a:endParaRPr lang="en-US"/>
           </a:p>
@@ -2228,7 +2228,7 @@
             <a:fld id="{1D8BD707-D9CF-40AE-B4C6-C98DA3205C09}" type="datetimeFigureOut">
               <a:rPr lang="en-US" smtClean="0"/>
               <a:pPr/>
-              <a:t>6/24/2015</a:t>
+              <a:t>6/25/2015</a:t>
             </a:fld>
             <a:endParaRPr lang="en-US"/>
           </a:p>
@@ -2478,7 +2478,7 @@
             <a:fld id="{1D8BD707-D9CF-40AE-B4C6-C98DA3205C09}" type="datetimeFigureOut">
               <a:rPr lang="en-US" smtClean="0"/>
               <a:pPr/>
-              <a:t>6/24/2015</a:t>
+              <a:t>6/25/2015</a:t>
             </a:fld>
             <a:endParaRPr lang="en-US"/>
           </a:p>
@@ -2688,7 +2688,7 @@
             <a:fld id="{1D8BD707-D9CF-40AE-B4C6-C98DA3205C09}" type="datetimeFigureOut">
               <a:rPr lang="en-US" smtClean="0"/>
               <a:pPr/>
-              <a:t>6/24/2015</a:t>
+              <a:t>6/25/2015</a:t>
             </a:fld>
             <a:endParaRPr lang="en-US"/>
           </a:p>
@@ -3454,8 +3454,8 @@
           <a:p>
             <a:pPr algn="ctr"/>
             <a:r>
-              <a:rPr lang="en-US" dirty="0" smtClean="0"/>
-              <a:t>186</a:t>
+              <a:rPr lang="en-US" smtClean="0"/>
+              <a:t>134</a:t>
             </a:r>
             <a:endParaRPr lang="en-US" dirty="0"/>
           </a:p>
@@ -3486,7 +3486,7 @@
             <a:pPr algn="ctr"/>
             <a:r>
               <a:rPr lang="en-US" dirty="0" smtClean="0"/>
-              <a:t>1000</a:t>
+              <a:t>1021</a:t>
             </a:r>
             <a:endParaRPr lang="en-US" dirty="0"/>
           </a:p>
@@ -3548,7 +3548,7 @@
             <a:pPr algn="ctr"/>
             <a:r>
               <a:rPr lang="en-US" dirty="0" smtClean="0"/>
-              <a:t>46</a:t>
+              <a:t>25</a:t>
             </a:r>
             <a:endParaRPr lang="en-US" dirty="0"/>
           </a:p>
@@ -3578,9 +3578,10 @@
           <a:p>
             <a:pPr algn="ctr"/>
             <a:r>
-              <a:rPr lang="en-US" dirty="0"/>
-              <a:t>1423</a:t>
-            </a:r>
+              <a:rPr lang="en-US" dirty="0" smtClean="0"/>
+              <a:t>1475</a:t>
+            </a:r>
+            <a:endParaRPr lang="en-US" dirty="0"/>
           </a:p>
         </p:txBody>
       </p:sp>
